--- a/Metrocar_Funnel_Analysis_Presentation.pptx
+++ b/Metrocar_Funnel_Analysis_Presentation.pptx
@@ -5,7 +5,7 @@
     <p:sldMasterId id="2147483712" r:id="rId1"/>
   </p:sldMasterIdLst>
   <p:notesMasterIdLst>
-    <p:notesMasterId r:id="rId10"/>
+    <p:notesMasterId r:id="rId9"/>
   </p:notesMasterIdLst>
   <p:sldIdLst>
     <p:sldId id="256" r:id="rId2"/>
@@ -15,7 +15,6 @@
     <p:sldId id="263" r:id="rId6"/>
     <p:sldId id="264" r:id="rId7"/>
     <p:sldId id="265" r:id="rId8"/>
-    <p:sldId id="266" r:id="rId9"/>
   </p:sldIdLst>
   <p:sldSz cx="12192000" cy="6858000"/>
   <p:notesSz cx="6858000" cy="9144000"/>
@@ -2781,7 +2780,7 @@
           <a:p>
             <a:fld id="{64C66147-829C-E446-81BF-3D98E9A8ED80}" type="datetimeFigureOut">
               <a:rPr lang="en-DE" smtClean="0"/>
-              <a:t>19.12.24</a:t>
+              <a:t>18.01.25</a:t>
             </a:fld>
             <a:endParaRPr lang="en-DE"/>
           </a:p>
@@ -3741,179 +3740,6 @@
 </p:notes>
 </file>
 
-<file path=ppt/notesSlides/notesSlide5.xml><?xml version="1.0" encoding="utf-8"?>
-<p:notes xmlns:a="http://schemas.openxmlformats.org/drawingml/2006/main" xmlns:r="http://schemas.openxmlformats.org/officeDocument/2006/relationships" xmlns:p="http://schemas.openxmlformats.org/presentationml/2006/main">
-  <p:cSld>
-    <p:spTree>
-      <p:nvGrpSpPr>
-        <p:cNvPr id="1" name="">
-          <a:extLst>
-            <a:ext uri="{FF2B5EF4-FFF2-40B4-BE49-F238E27FC236}">
-              <a16:creationId xmlns:a16="http://schemas.microsoft.com/office/drawing/2014/main" id="{21C15F2E-8CD3-9F68-1DD8-7AA1E40A77B1}"/>
-            </a:ext>
-          </a:extLst>
-        </p:cNvPr>
-        <p:cNvGrpSpPr/>
-        <p:nvPr/>
-      </p:nvGrpSpPr>
-      <p:grpSpPr>
-        <a:xfrm>
-          <a:off x="0" y="0"/>
-          <a:ext cx="0" cy="0"/>
-          <a:chOff x="0" y="0"/>
-          <a:chExt cx="0" cy="0"/>
-        </a:xfrm>
-      </p:grpSpPr>
-      <p:sp>
-        <p:nvSpPr>
-          <p:cNvPr id="2" name="Slide Image Placeholder 1">
-            <a:extLst>
-              <a:ext uri="{FF2B5EF4-FFF2-40B4-BE49-F238E27FC236}">
-                <a16:creationId xmlns:a16="http://schemas.microsoft.com/office/drawing/2014/main" id="{70D3A04F-8897-E121-B978-BC505192F9FD}"/>
-              </a:ext>
-            </a:extLst>
-          </p:cNvPr>
-          <p:cNvSpPr>
-            <a:spLocks noGrp="1" noRot="1" noChangeAspect="1"/>
-          </p:cNvSpPr>
-          <p:nvPr>
-            <p:ph type="sldImg"/>
-          </p:nvPr>
-        </p:nvSpPr>
-        <p:spPr/>
-      </p:sp>
-      <p:sp>
-        <p:nvSpPr>
-          <p:cNvPr id="3" name="Notes Placeholder 2">
-            <a:extLst>
-              <a:ext uri="{FF2B5EF4-FFF2-40B4-BE49-F238E27FC236}">
-                <a16:creationId xmlns:a16="http://schemas.microsoft.com/office/drawing/2014/main" id="{B41DF3E4-F95F-7503-CF86-AA1A693DF194}"/>
-              </a:ext>
-            </a:extLst>
-          </p:cNvPr>
-          <p:cNvSpPr>
-            <a:spLocks noGrp="1"/>
-          </p:cNvSpPr>
-          <p:nvPr>
-            <p:ph type="body" idx="1"/>
-          </p:nvPr>
-        </p:nvSpPr>
-        <p:spPr/>
-        <p:txBody>
-          <a:bodyPr/>
-          <a:lstStyle/>
-          <a:p>
-            <a:r>
-              <a:rPr lang="en-DE" dirty="0"/>
-              <a:t>Upper Funnel:</a:t>
-            </a:r>
-          </a:p>
-          <a:p>
-            <a:pPr marL="228600" indent="-228600">
-              <a:buFont typeface="+mj-lt"/>
-              <a:buAutoNum type="arabicPeriod"/>
-            </a:pPr>
-            <a:r>
-              <a:rPr lang="en-DE" sz="1200" dirty="0">
-                <a:latin typeface="Arial" panose="020B0604020202020204" pitchFamily="34" charset="0"/>
-                <a:cs typeface="Arial" panose="020B0604020202020204" pitchFamily="34" charset="0"/>
-              </a:rPr>
-              <a:t>Simplify sign up process – so that users can easily sign up</a:t>
-            </a:r>
-          </a:p>
-          <a:p>
-            <a:pPr marL="228600" indent="-228600">
-              <a:buFont typeface="+mj-lt"/>
-              <a:buAutoNum type="arabicPeriod"/>
-            </a:pPr>
-            <a:r>
-              <a:rPr lang="en-DE" sz="1200" dirty="0">
-                <a:latin typeface="Arial" panose="020B0604020202020204" pitchFamily="34" charset="0"/>
-                <a:cs typeface="Arial" panose="020B0604020202020204" pitchFamily="34" charset="0"/>
-              </a:rPr>
-              <a:t>Offer discounts and coupons for first time users – so that users are attracted to incentives and sign up more</a:t>
-            </a:r>
-          </a:p>
-          <a:p>
-            <a:pPr marL="228600" indent="-228600">
-              <a:buFont typeface="+mj-lt"/>
-              <a:buAutoNum type="arabicPeriod"/>
-            </a:pPr>
-            <a:r>
-              <a:rPr lang="en-DE" sz="1200" dirty="0">
-                <a:latin typeface="Arial" panose="020B0604020202020204" pitchFamily="34" charset="0"/>
-                <a:cs typeface="Arial" panose="020B0604020202020204" pitchFamily="34" charset="0"/>
-              </a:rPr>
-              <a:t>Introduce referal incentives – so that users can spread the word and attract more sign ups for incentioves.</a:t>
-            </a:r>
-          </a:p>
-          <a:p>
-            <a:pPr marL="0" indent="0">
-              <a:buFont typeface="+mj-lt"/>
-              <a:buNone/>
-            </a:pPr>
-            <a:endParaRPr lang="en-DE" sz="1200" dirty="0">
-              <a:latin typeface="Arial" panose="020B0604020202020204" pitchFamily="34" charset="0"/>
-              <a:cs typeface="Arial" panose="020B0604020202020204" pitchFamily="34" charset="0"/>
-            </a:endParaRPr>
-          </a:p>
-          <a:p>
-            <a:pPr marL="0" indent="0">
-              <a:buFont typeface="+mj-lt"/>
-              <a:buNone/>
-            </a:pPr>
-            <a:r>
-              <a:rPr lang="en-DE" sz="1200" dirty="0">
-                <a:latin typeface="Arial" panose="020B0604020202020204" pitchFamily="34" charset="0"/>
-                <a:cs typeface="Arial" panose="020B0604020202020204" pitchFamily="34" charset="0"/>
-              </a:rPr>
-              <a:t>Middle Funnel:</a:t>
-            </a:r>
-          </a:p>
-        </p:txBody>
-      </p:sp>
-      <p:sp>
-        <p:nvSpPr>
-          <p:cNvPr id="4" name="Slide Number Placeholder 3">
-            <a:extLst>
-              <a:ext uri="{FF2B5EF4-FFF2-40B4-BE49-F238E27FC236}">
-                <a16:creationId xmlns:a16="http://schemas.microsoft.com/office/drawing/2014/main" id="{4795F261-E59F-81F7-658E-409A89D246C2}"/>
-              </a:ext>
-            </a:extLst>
-          </p:cNvPr>
-          <p:cNvSpPr>
-            <a:spLocks noGrp="1"/>
-          </p:cNvSpPr>
-          <p:nvPr>
-            <p:ph type="sldNum" sz="quarter" idx="5"/>
-          </p:nvPr>
-        </p:nvSpPr>
-        <p:spPr/>
-        <p:txBody>
-          <a:bodyPr/>
-          <a:lstStyle/>
-          <a:p>
-            <a:fld id="{F306B08E-8A7D-D64F-A843-EEDEA5448EE4}" type="slidenum">
-              <a:rPr lang="en-DE" smtClean="0"/>
-              <a:t>8</a:t>
-            </a:fld>
-            <a:endParaRPr lang="en-DE"/>
-          </a:p>
-        </p:txBody>
-      </p:sp>
-    </p:spTree>
-    <p:extLst>
-      <p:ext uri="{BB962C8B-B14F-4D97-AF65-F5344CB8AC3E}">
-        <p14:creationId xmlns:p14="http://schemas.microsoft.com/office/powerpoint/2010/main" val="4117564157"/>
-      </p:ext>
-    </p:extLst>
-  </p:cSld>
-  <p:clrMapOvr>
-    <a:masterClrMapping/>
-  </p:clrMapOvr>
-</p:notes>
-</file>
-
 <file path=ppt/slideLayouts/slideLayout1.xml><?xml version="1.0" encoding="utf-8"?>
 <p:sldLayout xmlns:a="http://schemas.openxmlformats.org/drawingml/2006/main" xmlns:r="http://schemas.openxmlformats.org/officeDocument/2006/relationships" xmlns:p="http://schemas.openxmlformats.org/presentationml/2006/main" type="title" preserve="1">
   <p:cSld name="Title Slide">
@@ -4070,7 +3896,7 @@
           <a:p>
             <a:fld id="{02AC24A9-CCB6-4F8D-B8DB-C2F3692CFA5A}" type="datetimeFigureOut">
               <a:rPr lang="en-US" smtClean="0"/>
-              <a:t>12/19/24</a:t>
+              <a:t>1/18/25</a:t>
             </a:fld>
             <a:endParaRPr lang="en-US" dirty="0"/>
           </a:p>
@@ -4440,7 +4266,7 @@
           <a:p>
             <a:fld id="{02AC24A9-CCB6-4F8D-B8DB-C2F3692CFA5A}" type="datetimeFigureOut">
               <a:rPr lang="en-US" smtClean="0"/>
-              <a:t>12/19/24</a:t>
+              <a:t>1/18/25</a:t>
             </a:fld>
             <a:endParaRPr lang="en-US"/>
           </a:p>
@@ -4649,7 +4475,7 @@
           <a:p>
             <a:fld id="{02AC24A9-CCB6-4F8D-B8DB-C2F3692CFA5A}" type="datetimeFigureOut">
               <a:rPr lang="en-US" smtClean="0"/>
-              <a:t>12/19/24</a:t>
+              <a:t>1/18/25</a:t>
             </a:fld>
             <a:endParaRPr lang="en-US"/>
           </a:p>
@@ -5119,7 +4945,7 @@
           <a:p>
             <a:fld id="{02AC24A9-CCB6-4F8D-B8DB-C2F3692CFA5A}" type="datetimeFigureOut">
               <a:rPr lang="en-US" smtClean="0"/>
-              <a:t>12/19/24</a:t>
+              <a:t>1/18/25</a:t>
             </a:fld>
             <a:endParaRPr lang="en-US"/>
           </a:p>
@@ -5573,7 +5399,7 @@
           <a:p>
             <a:fld id="{02AC24A9-CCB6-4F8D-B8DB-C2F3692CFA5A}" type="datetimeFigureOut">
               <a:rPr lang="en-US" smtClean="0"/>
-              <a:t>12/19/24</a:t>
+              <a:t>1/18/25</a:t>
             </a:fld>
             <a:endParaRPr lang="en-US"/>
           </a:p>
@@ -6105,7 +5931,7 @@
           <a:p>
             <a:fld id="{02AC24A9-CCB6-4F8D-B8DB-C2F3692CFA5A}" type="datetimeFigureOut">
               <a:rPr lang="en-US" smtClean="0"/>
-              <a:t>12/19/24</a:t>
+              <a:t>1/18/25</a:t>
             </a:fld>
             <a:endParaRPr lang="en-US"/>
           </a:p>
@@ -6804,7 +6630,7 @@
           <a:p>
             <a:fld id="{02AC24A9-CCB6-4F8D-B8DB-C2F3692CFA5A}" type="datetimeFigureOut">
               <a:rPr lang="en-US" smtClean="0"/>
-              <a:t>12/19/24</a:t>
+              <a:t>1/18/25</a:t>
             </a:fld>
             <a:endParaRPr lang="en-US"/>
           </a:p>
@@ -7133,7 +6959,7 @@
           <a:p>
             <a:fld id="{02AC24A9-CCB6-4F8D-B8DB-C2F3692CFA5A}" type="datetimeFigureOut">
               <a:rPr lang="en-US" smtClean="0"/>
-              <a:t>12/19/24</a:t>
+              <a:t>1/18/25</a:t>
             </a:fld>
             <a:endParaRPr lang="en-US"/>
           </a:p>
@@ -7246,7 +7072,7 @@
           <a:p>
             <a:fld id="{02AC24A9-CCB6-4F8D-B8DB-C2F3692CFA5A}" type="datetimeFigureOut">
               <a:rPr lang="en-US" smtClean="0"/>
-              <a:t>12/19/24</a:t>
+              <a:t>1/18/25</a:t>
             </a:fld>
             <a:endParaRPr lang="en-US"/>
           </a:p>
@@ -7741,7 +7567,7 @@
           <a:p>
             <a:fld id="{02AC24A9-CCB6-4F8D-B8DB-C2F3692CFA5A}" type="datetimeFigureOut">
               <a:rPr lang="en-US" smtClean="0"/>
-              <a:t>12/19/24</a:t>
+              <a:t>1/18/25</a:t>
             </a:fld>
             <a:endParaRPr lang="en-US" dirty="0"/>
           </a:p>
@@ -8218,7 +8044,7 @@
           <a:p>
             <a:fld id="{02AC24A9-CCB6-4F8D-B8DB-C2F3692CFA5A}" type="datetimeFigureOut">
               <a:rPr lang="en-US" smtClean="0"/>
-              <a:t>12/19/24</a:t>
+              <a:t>1/18/25</a:t>
             </a:fld>
             <a:endParaRPr lang="en-US"/>
           </a:p>
@@ -8461,7 +8287,7 @@
           <a:p>
             <a:fld id="{02AC24A9-CCB6-4F8D-B8DB-C2F3692CFA5A}" type="datetimeFigureOut">
               <a:rPr lang="en-US" smtClean="0"/>
-              <a:t>12/19/24</a:t>
+              <a:t>1/18/25</a:t>
             </a:fld>
             <a:endParaRPr lang="en-US"/>
           </a:p>
@@ -12053,217 +11879,6 @@
     <p:extLst>
       <p:ext uri="{BB962C8B-B14F-4D97-AF65-F5344CB8AC3E}">
         <p14:creationId xmlns:p14="http://schemas.microsoft.com/office/powerpoint/2010/main" val="4071460746"/>
-      </p:ext>
-    </p:extLst>
-  </p:cSld>
-  <p:clrMapOvr>
-    <a:masterClrMapping/>
-  </p:clrMapOvr>
-</p:sld>
-</file>
-
-<file path=ppt/slides/slide8.xml><?xml version="1.0" encoding="utf-8"?>
-<p:sld xmlns:a="http://schemas.openxmlformats.org/drawingml/2006/main" xmlns:r="http://schemas.openxmlformats.org/officeDocument/2006/relationships" xmlns:p="http://schemas.openxmlformats.org/presentationml/2006/main">
-  <p:cSld>
-    <p:spTree>
-      <p:nvGrpSpPr>
-        <p:cNvPr id="1" name="">
-          <a:extLst>
-            <a:ext uri="{FF2B5EF4-FFF2-40B4-BE49-F238E27FC236}">
-              <a16:creationId xmlns:a16="http://schemas.microsoft.com/office/drawing/2014/main" id="{F1274B87-B98C-3F6A-3D73-96A29D46C53F}"/>
-            </a:ext>
-          </a:extLst>
-        </p:cNvPr>
-        <p:cNvGrpSpPr/>
-        <p:nvPr/>
-      </p:nvGrpSpPr>
-      <p:grpSpPr>
-        <a:xfrm>
-          <a:off x="0" y="0"/>
-          <a:ext cx="0" cy="0"/>
-          <a:chOff x="0" y="0"/>
-          <a:chExt cx="0" cy="0"/>
-        </a:xfrm>
-      </p:grpSpPr>
-      <p:sp>
-        <p:nvSpPr>
-          <p:cNvPr id="2" name="Title 1">
-            <a:extLst>
-              <a:ext uri="{FF2B5EF4-FFF2-40B4-BE49-F238E27FC236}">
-                <a16:creationId xmlns:a16="http://schemas.microsoft.com/office/drawing/2014/main" id="{801E7243-84F4-19B3-E4BE-EDBEF6FFA5B2}"/>
-              </a:ext>
-            </a:extLst>
-          </p:cNvPr>
-          <p:cNvSpPr>
-            <a:spLocks noGrp="1"/>
-          </p:cNvSpPr>
-          <p:nvPr>
-            <p:ph type="title"/>
-          </p:nvPr>
-        </p:nvSpPr>
-        <p:spPr/>
-        <p:txBody>
-          <a:bodyPr>
-            <a:normAutofit/>
-          </a:bodyPr>
-          <a:lstStyle/>
-          <a:p>
-            <a:r>
-              <a:rPr lang="en-DE" sz="3200" dirty="0"/>
-              <a:t>Links</a:t>
-            </a:r>
-          </a:p>
-        </p:txBody>
-      </p:sp>
-      <p:sp>
-        <p:nvSpPr>
-          <p:cNvPr id="3" name="Content Placeholder 2">
-            <a:extLst>
-              <a:ext uri="{FF2B5EF4-FFF2-40B4-BE49-F238E27FC236}">
-                <a16:creationId xmlns:a16="http://schemas.microsoft.com/office/drawing/2014/main" id="{3B428A82-DC8B-CE91-A2FB-F583B41FEDA8}"/>
-              </a:ext>
-            </a:extLst>
-          </p:cNvPr>
-          <p:cNvSpPr>
-            <a:spLocks noGrp="1"/>
-          </p:cNvSpPr>
-          <p:nvPr>
-            <p:ph idx="1"/>
-          </p:nvPr>
-        </p:nvSpPr>
-        <p:spPr>
-          <a:xfrm>
-            <a:off x="587568" y="2131972"/>
-            <a:ext cx="11162998" cy="4515716"/>
-          </a:xfrm>
-        </p:spPr>
-        <p:txBody>
-          <a:bodyPr numCol="1">
-            <a:noAutofit/>
-          </a:bodyPr>
-          <a:lstStyle/>
-          <a:p>
-            <a:pPr marL="0" indent="0">
-              <a:buNone/>
-            </a:pPr>
-            <a:r>
-              <a:rPr lang="en-GB" sz="1400" b="1" dirty="0">
-                <a:solidFill>
-                  <a:schemeClr val="accent5">
-                    <a:lumMod val="75000"/>
-                  </a:schemeClr>
-                </a:solidFill>
-                <a:effectLst/>
-                <a:latin typeface="Arial" panose="020B0604020202020204" pitchFamily="34" charset="0"/>
-                <a:cs typeface="Arial" panose="020B0604020202020204" pitchFamily="34" charset="0"/>
-              </a:rPr>
-              <a:t>Dataset:</a:t>
-            </a:r>
-          </a:p>
-          <a:p>
-            <a:pPr marL="0" indent="0">
-              <a:buNone/>
-            </a:pPr>
-            <a:endParaRPr lang="en-GB" sz="1400" b="1" dirty="0">
-              <a:solidFill>
-                <a:schemeClr val="accent5">
-                  <a:lumMod val="75000"/>
-                </a:schemeClr>
-              </a:solidFill>
-              <a:latin typeface="Arial" panose="020B0604020202020204" pitchFamily="34" charset="0"/>
-              <a:cs typeface="Arial" panose="020B0604020202020204" pitchFamily="34" charset="0"/>
-            </a:endParaRPr>
-          </a:p>
-          <a:p>
-            <a:pPr marL="0" indent="0">
-              <a:buNone/>
-            </a:pPr>
-            <a:r>
-              <a:rPr lang="en-GB" sz="1400" b="1" dirty="0">
-                <a:solidFill>
-                  <a:schemeClr val="accent5">
-                    <a:lumMod val="75000"/>
-                  </a:schemeClr>
-                </a:solidFill>
-                <a:latin typeface="Arial" panose="020B0604020202020204" pitchFamily="34" charset="0"/>
-                <a:cs typeface="Arial" panose="020B0604020202020204" pitchFamily="34" charset="0"/>
-              </a:rPr>
-              <a:t>Notebook: </a:t>
-            </a:r>
-          </a:p>
-          <a:p>
-            <a:pPr marL="0" indent="0">
-              <a:buNone/>
-            </a:pPr>
-            <a:r>
-              <a:rPr lang="en-GB" sz="1400" dirty="0">
-                <a:solidFill>
-                  <a:schemeClr val="accent5">
-                    <a:lumMod val="75000"/>
-                  </a:schemeClr>
-                </a:solidFill>
-                <a:latin typeface="Arial" panose="020B0604020202020204" pitchFamily="34" charset="0"/>
-                <a:cs typeface="Arial" panose="020B0604020202020204" pitchFamily="34" charset="0"/>
-              </a:rPr>
-              <a:t>https://</a:t>
-            </a:r>
-            <a:r>
-              <a:rPr lang="en-GB" sz="1400" dirty="0" err="1">
-                <a:solidFill>
-                  <a:schemeClr val="accent5">
-                    <a:lumMod val="75000"/>
-                  </a:schemeClr>
-                </a:solidFill>
-                <a:latin typeface="Arial" panose="020B0604020202020204" pitchFamily="34" charset="0"/>
-                <a:cs typeface="Arial" panose="020B0604020202020204" pitchFamily="34" charset="0"/>
-              </a:rPr>
-              <a:t>colab.research.google.com</a:t>
-            </a:r>
-            <a:r>
-              <a:rPr lang="en-GB" sz="1400" dirty="0">
-                <a:solidFill>
-                  <a:schemeClr val="accent5">
-                    <a:lumMod val="75000"/>
-                  </a:schemeClr>
-                </a:solidFill>
-                <a:latin typeface="Arial" panose="020B0604020202020204" pitchFamily="34" charset="0"/>
-                <a:cs typeface="Arial" panose="020B0604020202020204" pitchFamily="34" charset="0"/>
-              </a:rPr>
-              <a:t>/drive/1Cy-SGoKMPuevFLM6A_CQPHGXib4n78yZ?usp=sharing</a:t>
-            </a:r>
-            <a:endParaRPr lang="en-GB" sz="1400" dirty="0">
-              <a:solidFill>
-                <a:schemeClr val="accent5">
-                  <a:lumMod val="75000"/>
-                </a:schemeClr>
-              </a:solidFill>
-              <a:effectLst/>
-              <a:latin typeface="Arial" panose="020B0604020202020204" pitchFamily="34" charset="0"/>
-              <a:cs typeface="Arial" panose="020B0604020202020204" pitchFamily="34" charset="0"/>
-            </a:endParaRPr>
-          </a:p>
-          <a:p>
-            <a:pPr marL="0" indent="0">
-              <a:spcBef>
-                <a:spcPts val="900"/>
-              </a:spcBef>
-              <a:buNone/>
-            </a:pPr>
-            <a:endParaRPr lang="en-GB" sz="1000" dirty="0">
-              <a:solidFill>
-                <a:srgbClr val="0E0E0E"/>
-              </a:solidFill>
-              <a:effectLst/>
-              <a:latin typeface="Arial" panose="020B0604020202020204" pitchFamily="34" charset="0"/>
-              <a:cs typeface="Arial" panose="020B0604020202020204" pitchFamily="34" charset="0"/>
-            </a:endParaRPr>
-          </a:p>
-        </p:txBody>
-      </p:sp>
-    </p:spTree>
-    <p:extLst>
-      <p:ext uri="{BB962C8B-B14F-4D97-AF65-F5344CB8AC3E}">
-        <p14:creationId xmlns:p14="http://schemas.microsoft.com/office/powerpoint/2010/main" val="4051031803"/>
       </p:ext>
     </p:extLst>
   </p:cSld>
